--- a/UI Screens.pptx
+++ b/UI Screens.pptx
@@ -104,6 +104,11 @@
       </a:defRPr>
     </a:lvl9pPr>
   </p:defaultTextStyle>
+  <p:extLst>
+    <p:ext uri="{EFAFB233-063F-42B5-8137-9DF3F51BA10A}">
+      <p15:sldGuideLst xmlns:p15="http://schemas.microsoft.com/office/powerpoint/2012/main"/>
+    </p:ext>
+  </p:extLst>
 </p:presentation>
 </file>
 
@@ -254,7 +259,7 @@
           <a:p>
             <a:fld id="{B8A88A79-9908-4184-9197-E920F2B37DAA}" type="datetimeFigureOut">
               <a:rPr lang="en-US" smtClean="0"/>
-              <a:t>7/22/2018</a:t>
+              <a:t>7/28/2018</a:t>
             </a:fld>
             <a:endParaRPr lang="en-US"/>
           </a:p>
@@ -452,7 +457,7 @@
           <a:p>
             <a:fld id="{B8A88A79-9908-4184-9197-E920F2B37DAA}" type="datetimeFigureOut">
               <a:rPr lang="en-US" smtClean="0"/>
-              <a:t>7/22/2018</a:t>
+              <a:t>7/28/2018</a:t>
             </a:fld>
             <a:endParaRPr lang="en-US"/>
           </a:p>
@@ -660,7 +665,7 @@
           <a:p>
             <a:fld id="{B8A88A79-9908-4184-9197-E920F2B37DAA}" type="datetimeFigureOut">
               <a:rPr lang="en-US" smtClean="0"/>
-              <a:t>7/22/2018</a:t>
+              <a:t>7/28/2018</a:t>
             </a:fld>
             <a:endParaRPr lang="en-US"/>
           </a:p>
@@ -858,7 +863,7 @@
           <a:p>
             <a:fld id="{B8A88A79-9908-4184-9197-E920F2B37DAA}" type="datetimeFigureOut">
               <a:rPr lang="en-US" smtClean="0"/>
-              <a:t>7/22/2018</a:t>
+              <a:t>7/28/2018</a:t>
             </a:fld>
             <a:endParaRPr lang="en-US"/>
           </a:p>
@@ -1133,7 +1138,7 @@
           <a:p>
             <a:fld id="{B8A88A79-9908-4184-9197-E920F2B37DAA}" type="datetimeFigureOut">
               <a:rPr lang="en-US" smtClean="0"/>
-              <a:t>7/22/2018</a:t>
+              <a:t>7/28/2018</a:t>
             </a:fld>
             <a:endParaRPr lang="en-US"/>
           </a:p>
@@ -1398,7 +1403,7 @@
           <a:p>
             <a:fld id="{B8A88A79-9908-4184-9197-E920F2B37DAA}" type="datetimeFigureOut">
               <a:rPr lang="en-US" smtClean="0"/>
-              <a:t>7/22/2018</a:t>
+              <a:t>7/28/2018</a:t>
             </a:fld>
             <a:endParaRPr lang="en-US"/>
           </a:p>
@@ -1810,7 +1815,7 @@
           <a:p>
             <a:fld id="{B8A88A79-9908-4184-9197-E920F2B37DAA}" type="datetimeFigureOut">
               <a:rPr lang="en-US" smtClean="0"/>
-              <a:t>7/22/2018</a:t>
+              <a:t>7/28/2018</a:t>
             </a:fld>
             <a:endParaRPr lang="en-US"/>
           </a:p>
@@ -1951,7 +1956,7 @@
           <a:p>
             <a:fld id="{B8A88A79-9908-4184-9197-E920F2B37DAA}" type="datetimeFigureOut">
               <a:rPr lang="en-US" smtClean="0"/>
-              <a:t>7/22/2018</a:t>
+              <a:t>7/28/2018</a:t>
             </a:fld>
             <a:endParaRPr lang="en-US"/>
           </a:p>
@@ -2064,7 +2069,7 @@
           <a:p>
             <a:fld id="{B8A88A79-9908-4184-9197-E920F2B37DAA}" type="datetimeFigureOut">
               <a:rPr lang="en-US" smtClean="0"/>
-              <a:t>7/22/2018</a:t>
+              <a:t>7/28/2018</a:t>
             </a:fld>
             <a:endParaRPr lang="en-US"/>
           </a:p>
@@ -2375,7 +2380,7 @@
           <a:p>
             <a:fld id="{B8A88A79-9908-4184-9197-E920F2B37DAA}" type="datetimeFigureOut">
               <a:rPr lang="en-US" smtClean="0"/>
-              <a:t>7/22/2018</a:t>
+              <a:t>7/28/2018</a:t>
             </a:fld>
             <a:endParaRPr lang="en-US"/>
           </a:p>
@@ -2663,7 +2668,7 @@
           <a:p>
             <a:fld id="{B8A88A79-9908-4184-9197-E920F2B37DAA}" type="datetimeFigureOut">
               <a:rPr lang="en-US" smtClean="0"/>
-              <a:t>7/22/2018</a:t>
+              <a:t>7/28/2018</a:t>
             </a:fld>
             <a:endParaRPr lang="en-US"/>
           </a:p>
@@ -2904,7 +2909,7 @@
           <a:p>
             <a:fld id="{B8A88A79-9908-4184-9197-E920F2B37DAA}" type="datetimeFigureOut">
               <a:rPr lang="en-US" smtClean="0"/>
-              <a:t>7/22/2018</a:t>
+              <a:t>7/28/2018</a:t>
             </a:fld>
             <a:endParaRPr lang="en-US"/>
           </a:p>
@@ -3909,7 +3914,7 @@
         </p:nvSpPr>
         <p:spPr>
           <a:xfrm>
-            <a:off x="5900737" y="1714589"/>
+            <a:off x="3543300" y="1486257"/>
             <a:ext cx="1743075" cy="265286"/>
           </a:xfrm>
           <a:prstGeom prst="rect">
@@ -3958,7 +3963,7 @@
         </p:nvSpPr>
         <p:spPr>
           <a:xfrm>
-            <a:off x="7758112" y="1714589"/>
+            <a:off x="5400675" y="1486257"/>
             <a:ext cx="1895475" cy="780871"/>
           </a:xfrm>
           <a:prstGeom prst="rect">
@@ -4025,6 +4030,56 @@
               <a:rPr lang="en-US" sz="3200" dirty="0"/>
               <a:t>…</a:t>
             </a:r>
+          </a:p>
+        </p:txBody>
+      </p:sp>
+      <p:sp>
+        <p:nvSpPr>
+          <p:cNvPr id="22" name="Rectangle 21">
+            <a:extLst>
+              <a:ext uri="{FF2B5EF4-FFF2-40B4-BE49-F238E27FC236}">
+                <a16:creationId xmlns:a16="http://schemas.microsoft.com/office/drawing/2014/main" id="{72C4C23B-9DC5-467D-9292-C4EFFF2B5E33}"/>
+              </a:ext>
+            </a:extLst>
+          </p:cNvPr>
+          <p:cNvSpPr/>
+          <p:nvPr/>
+        </p:nvSpPr>
+        <p:spPr>
+          <a:xfrm>
+            <a:off x="9220200" y="2950023"/>
+            <a:ext cx="714375" cy="687236"/>
+          </a:xfrm>
+          <a:prstGeom prst="rect">
+            <a:avLst/>
+          </a:prstGeom>
+        </p:spPr>
+        <p:style>
+          <a:lnRef idx="2">
+            <a:schemeClr val="accent1">
+              <a:shade val="50000"/>
+            </a:schemeClr>
+          </a:lnRef>
+          <a:fillRef idx="1">
+            <a:schemeClr val="accent1"/>
+          </a:fillRef>
+          <a:effectRef idx="0">
+            <a:schemeClr val="accent1"/>
+          </a:effectRef>
+          <a:fontRef idx="minor">
+            <a:schemeClr val="lt1"/>
+          </a:fontRef>
+        </p:style>
+        <p:txBody>
+          <a:bodyPr rtlCol="0" anchor="ctr"/>
+          <a:lstStyle/>
+          <a:p>
+            <a:pPr algn="ctr"/>
+            <a:r>
+              <a:rPr lang="en-US" sz="1400"/>
+              <a:t>Go!</a:t>
+            </a:r>
+            <a:endParaRPr lang="en-US" sz="1400" dirty="0"/>
           </a:p>
         </p:txBody>
       </p:sp>
